--- a/DTI prediction with KiBA dataset.pptx
+++ b/DTI prediction with KiBA dataset.pptx
@@ -5,17 +5,18 @@
     <p:sldMasterId id="2147483648" r:id="rId1"/>
   </p:sldMasterIdLst>
   <p:notesMasterIdLst>
-    <p:notesMasterId r:id="rId6"/>
+    <p:notesMasterId r:id="rId7"/>
   </p:notesMasterIdLst>
   <p:sldIdLst>
     <p:sldId id="256" r:id="rId3"/>
     <p:sldId id="257" r:id="rId4"/>
-    <p:sldId id="259" r:id="rId5"/>
-    <p:sldId id="264" r:id="rId7"/>
-    <p:sldId id="258" r:id="rId8"/>
-    <p:sldId id="260" r:id="rId9"/>
-    <p:sldId id="262" r:id="rId10"/>
-    <p:sldId id="261" r:id="rId11"/>
+    <p:sldId id="269" r:id="rId5"/>
+    <p:sldId id="259" r:id="rId6"/>
+    <p:sldId id="264" r:id="rId8"/>
+    <p:sldId id="258" r:id="rId9"/>
+    <p:sldId id="260" r:id="rId10"/>
+    <p:sldId id="262" r:id="rId11"/>
+    <p:sldId id="261" r:id="rId12"/>
   </p:sldIdLst>
   <p:sldSz cx="12192000" cy="6858000"/>
   <p:notesSz cx="6858000" cy="9144000"/>
@@ -3809,6 +3810,97 @@
       <p:grpSpPr/>
       <p:sp>
         <p:nvSpPr>
+          <p:cNvPr id="4" name="Title 3"/>
+          <p:cNvSpPr>
+            <a:spLocks noGrp="1"/>
+          </p:cNvSpPr>
+          <p:nvPr>
+            <p:ph type="title"/>
+          </p:nvPr>
+        </p:nvSpPr>
+        <p:spPr/>
+        <p:txBody>
+          <a:bodyPr/>
+          <a:p>
+            <a:r>
+              <a:rPr lang="en-US" altLang="en-US">
+                <a:sym typeface="+mn-ea"/>
+              </a:rPr>
+              <a:t>Reference</a:t>
+            </a:r>
+            <a:endParaRPr lang="en-US"/>
+          </a:p>
+        </p:txBody>
+      </p:sp>
+      <p:sp>
+        <p:nvSpPr>
+          <p:cNvPr id="5" name="Text Placeholder 4"/>
+          <p:cNvSpPr>
+            <a:spLocks noGrp="1"/>
+          </p:cNvSpPr>
+          <p:nvPr>
+            <p:ph type="body" idx="1"/>
+          </p:nvPr>
+        </p:nvSpPr>
+        <p:spPr/>
+        <p:txBody>
+          <a:bodyPr/>
+          <a:p>
+            <a:pPr lvl="0"/>
+            <a:r>
+              <a:rPr lang="en-US" altLang="en-US" sz="3265">
+                <a:sym typeface="+mn-ea"/>
+              </a:rPr>
+              <a:t>Affinity2Vec (https://www.nature.com/articles/s41598-022-08787-9#Sec2), with git repo at https://github.com/MahaThafar/Affinity2Vec</a:t>
+            </a:r>
+            <a:endParaRPr lang="en-US" altLang="en-US" sz="3265"/>
+          </a:p>
+          <a:p>
+            <a:pPr lvl="0"/>
+            <a:r>
+              <a:rPr lang="en-US" altLang="en-US" sz="3265">
+                <a:sym typeface="+mn-ea"/>
+              </a:rPr>
+              <a:t>GANsDTA: Predicting Drug-Target Binding Affinity Using GANs</a:t>
+            </a:r>
+            <a:endParaRPr lang="en-US" altLang="en-US" sz="3265"/>
+          </a:p>
+          <a:p>
+            <a:pPr lvl="0"/>
+            <a:r>
+              <a:rPr lang="en-US" altLang="en-US" sz="3265">
+                <a:sym typeface="+mn-ea"/>
+              </a:rPr>
+              <a:t>GraphDTA: Predicting drug-target binding affinity with graph neural networks (</a:t>
+            </a:r>
+            <a:r>
+              <a:rPr lang="en-US" altLang="en-US"/>
+              <a:t>https://github.com/thinng/GraphDTA)</a:t>
+            </a:r>
+            <a:endParaRPr lang="en-US" altLang="en-US"/>
+          </a:p>
+        </p:txBody>
+      </p:sp>
+    </p:spTree>
+  </p:cSld>
+  <p:clrMapOvr>
+    <a:masterClrMapping/>
+  </p:clrMapOvr>
+</p:sld>
+</file>
+
+<file path=ppt/slides/slide4.xml><?xml version="1.0" encoding="utf-8"?>
+<p:sld xmlns:a="http://schemas.openxmlformats.org/drawingml/2006/main" xmlns:r="http://schemas.openxmlformats.org/officeDocument/2006/relationships" xmlns:p="http://schemas.openxmlformats.org/presentationml/2006/main">
+  <p:cSld>
+    <p:spTree>
+      <p:nvGrpSpPr>
+        <p:cNvPr id="1" name=""/>
+        <p:cNvGrpSpPr/>
+        <p:nvPr/>
+      </p:nvGrpSpPr>
+      <p:grpSpPr/>
+      <p:sp>
+        <p:nvSpPr>
           <p:cNvPr id="7" name="Title 6"/>
           <p:cNvSpPr>
             <a:spLocks noGrp="1"/>
@@ -3949,7 +4041,7 @@
 </p:sld>
 </file>
 
-<file path=ppt/slides/slide4.xml><?xml version="1.0" encoding="utf-8"?>
+<file path=ppt/slides/slide5.xml><?xml version="1.0" encoding="utf-8"?>
 <p:sld xmlns:a="http://schemas.openxmlformats.org/drawingml/2006/main" xmlns:r="http://schemas.openxmlformats.org/officeDocument/2006/relationships" xmlns:p="http://schemas.openxmlformats.org/presentationml/2006/main">
   <p:cSld>
     <p:spTree>
@@ -4004,7 +4096,7 @@
         </p:spPr>
         <p:txBody>
           <a:bodyPr>
-            <a:normAutofit fontScale="90000" lnSpcReduction="10000"/>
+            <a:normAutofit fontScale="90000" lnSpcReduction="20000"/>
           </a:bodyPr>
           <a:p>
             <a:r>
@@ -4026,7 +4118,7 @@
               <a:rPr lang="en-US" altLang="en-US" sz="2800">
                 <a:sym typeface="+mn-ea"/>
               </a:rPr>
-              <a:t>Kiba score not estimated: 1370 protein and 21805 compounds with 29711 interactions (high quality?)</a:t>
+              <a:t>Set1 (Kiba score not estimated): 1370 protein and 21805 compounds with 29711 interactions (high quality?)</a:t>
             </a:r>
             <a:endParaRPr lang="en-US" altLang="en-US" sz="2800">
               <a:sym typeface="+mn-ea"/>
@@ -4041,7 +4133,7 @@
               <a:rPr lang="en-US" altLang="en-US" sz="2800">
                 <a:sym typeface="+mn-ea"/>
               </a:rPr>
-              <a:t>Multi-interactions 139516 pairs: 17228 compound with &gt;= 5 interactions and 1232 proteins with &gt;= 10 interactions</a:t>
+              <a:t>Set2: Multi-interactions 139516 pairs: 17228 compound with &gt;= 5 interactions and 1232 proteins with &gt;= 10 interactions</a:t>
             </a:r>
             <a:endParaRPr lang="en-US" altLang="en-US" sz="2800">
               <a:sym typeface="+mn-ea"/>
@@ -4111,128 +4203,6 @@
 </p:sld>
 </file>
 
-<file path=ppt/slides/slide5.xml><?xml version="1.0" encoding="utf-8"?>
-<p:sld xmlns:a="http://schemas.openxmlformats.org/drawingml/2006/main" xmlns:r="http://schemas.openxmlformats.org/officeDocument/2006/relationships" xmlns:p="http://schemas.openxmlformats.org/presentationml/2006/main">
-  <p:cSld>
-    <p:spTree>
-      <p:nvGrpSpPr>
-        <p:cNvPr id="1" name=""/>
-        <p:cNvGrpSpPr/>
-        <p:nvPr/>
-      </p:nvGrpSpPr>
-      <p:grpSpPr/>
-      <p:sp>
-        <p:nvSpPr>
-          <p:cNvPr id="2" name="Title 1"/>
-          <p:cNvSpPr>
-            <a:spLocks noGrp="1"/>
-          </p:cNvSpPr>
-          <p:nvPr>
-            <p:ph type="title"/>
-          </p:nvPr>
-        </p:nvSpPr>
-        <p:spPr/>
-        <p:txBody>
-          <a:bodyPr/>
-          <a:p>
-            <a:r>
-              <a:rPr lang="en-US"/>
-              <a:t>Workflow</a:t>
-            </a:r>
-            <a:endParaRPr lang="en-US"/>
-          </a:p>
-        </p:txBody>
-      </p:sp>
-      <p:sp>
-        <p:nvSpPr>
-          <p:cNvPr id="3" name="Content Placeholder 2"/>
-          <p:cNvSpPr>
-            <a:spLocks noGrp="1"/>
-          </p:cNvSpPr>
-          <p:nvPr>
-            <p:ph idx="1"/>
-          </p:nvPr>
-        </p:nvSpPr>
-        <p:spPr/>
-        <p:txBody>
-          <a:bodyPr>
-            <a:normAutofit lnSpcReduction="10000"/>
-          </a:bodyPr>
-          <a:p>
-            <a:r>
-              <a:rPr lang="en-US"/>
-              <a:t>Download protein sequence and compound smile string from Uniprot (“</a:t>
-            </a:r>
-            <a:r>
-              <a:rPr lang="en-US" altLang="en-US"/>
-              <a:t>Bio.ExPASy”)</a:t>
-            </a:r>
-            <a:r>
-              <a:rPr lang="en-US"/>
-              <a:t> and Pubchem (“</a:t>
-            </a:r>
-            <a:r>
-              <a:rPr lang="en-US" altLang="en-US"/>
-              <a:t>pubchempy”)</a:t>
-            </a:r>
-            <a:r>
-              <a:rPr lang="en-US"/>
-              <a:t>, optionally </a:t>
-            </a:r>
-            <a:r>
-              <a:rPr lang="en-US">
-                <a:sym typeface="+mn-ea"/>
-              </a:rPr>
-              <a:t>with other information.</a:t>
-            </a:r>
-            <a:endParaRPr lang="en-US"/>
-          </a:p>
-          <a:p>
-            <a:r>
-              <a:rPr lang="en-US"/>
-              <a:t>Convert protein sequence to embeddings (</a:t>
-            </a:r>
-            <a:r>
-              <a:rPr lang="en-US" altLang="en-US"/>
-              <a:t>esm2_t12_35M_UR50D, size 480, with “protenc”) </a:t>
-            </a:r>
-            <a:endParaRPr lang="en-US" altLang="en-US"/>
-          </a:p>
-          <a:p>
-            <a:r>
-              <a:rPr lang="en-US"/>
-              <a:t>Convert smile sting to embeddings (</a:t>
-            </a:r>
-            <a:r>
-              <a:rPr lang="en-US" altLang="en-US"/>
-              <a:t>RDKitFingerprint, size 128, with “scikit_mol” and “rdkit”)</a:t>
-            </a:r>
-            <a:endParaRPr lang="en-US" altLang="en-US"/>
-          </a:p>
-          <a:p>
-            <a:r>
-              <a:rPr lang="en-US"/>
-              <a:t>Join protein embeddings with compound embeddings based on pairing (608 total features)</a:t>
-            </a:r>
-            <a:endParaRPr lang="en-US"/>
-          </a:p>
-          <a:p>
-            <a:r>
-              <a:rPr lang="en-US"/>
-              <a:t>Regression model against target variable log KiBA score.</a:t>
-            </a:r>
-            <a:endParaRPr lang="en-US"/>
-          </a:p>
-        </p:txBody>
-      </p:sp>
-    </p:spTree>
-  </p:cSld>
-  <p:clrMapOvr>
-    <a:masterClrMapping/>
-  </p:clrMapOvr>
-</p:sld>
-</file>
-
 <file path=ppt/slides/slide6.xml><?xml version="1.0" encoding="utf-8"?>
 <p:sld xmlns:a="http://schemas.openxmlformats.org/drawingml/2006/main" xmlns:r="http://schemas.openxmlformats.org/officeDocument/2006/relationships" xmlns:p="http://schemas.openxmlformats.org/presentationml/2006/main">
   <p:cSld>
@@ -4253,6 +4223,128 @@
             <p:ph type="title"/>
           </p:nvPr>
         </p:nvSpPr>
+        <p:spPr/>
+        <p:txBody>
+          <a:bodyPr/>
+          <a:p>
+            <a:r>
+              <a:rPr lang="en-US"/>
+              <a:t>Workflow</a:t>
+            </a:r>
+            <a:endParaRPr lang="en-US"/>
+          </a:p>
+        </p:txBody>
+      </p:sp>
+      <p:sp>
+        <p:nvSpPr>
+          <p:cNvPr id="3" name="Content Placeholder 2"/>
+          <p:cNvSpPr>
+            <a:spLocks noGrp="1"/>
+          </p:cNvSpPr>
+          <p:nvPr>
+            <p:ph idx="1"/>
+          </p:nvPr>
+        </p:nvSpPr>
+        <p:spPr/>
+        <p:txBody>
+          <a:bodyPr>
+            <a:normAutofit lnSpcReduction="10000"/>
+          </a:bodyPr>
+          <a:p>
+            <a:r>
+              <a:rPr lang="en-US"/>
+              <a:t>Download protein sequence and compound smile string from Uniprot (“</a:t>
+            </a:r>
+            <a:r>
+              <a:rPr lang="en-US" altLang="en-US"/>
+              <a:t>Bio.ExPASy”)</a:t>
+            </a:r>
+            <a:r>
+              <a:rPr lang="en-US"/>
+              <a:t> and Pubchem (“</a:t>
+            </a:r>
+            <a:r>
+              <a:rPr lang="en-US" altLang="en-US"/>
+              <a:t>pubchempy”)</a:t>
+            </a:r>
+            <a:r>
+              <a:rPr lang="en-US"/>
+              <a:t>, optionally </a:t>
+            </a:r>
+            <a:r>
+              <a:rPr lang="en-US">
+                <a:sym typeface="+mn-ea"/>
+              </a:rPr>
+              <a:t>with other information.</a:t>
+            </a:r>
+            <a:endParaRPr lang="en-US"/>
+          </a:p>
+          <a:p>
+            <a:r>
+              <a:rPr lang="en-US"/>
+              <a:t>Convert protein sequence to embeddings (</a:t>
+            </a:r>
+            <a:r>
+              <a:rPr lang="en-US" altLang="en-US"/>
+              <a:t>esm2_t12_35M_UR50D, size 480, with “protenc”) </a:t>
+            </a:r>
+            <a:endParaRPr lang="en-US" altLang="en-US"/>
+          </a:p>
+          <a:p>
+            <a:r>
+              <a:rPr lang="en-US"/>
+              <a:t>Convert smile sting to embeddings (</a:t>
+            </a:r>
+            <a:r>
+              <a:rPr lang="en-US" altLang="en-US"/>
+              <a:t>RDKitFingerprint, size 128, with “scikit_mol” and “rdkit”)</a:t>
+            </a:r>
+            <a:endParaRPr lang="en-US" altLang="en-US"/>
+          </a:p>
+          <a:p>
+            <a:r>
+              <a:rPr lang="en-US"/>
+              <a:t>Join protein embeddings with compound embeddings based on pairing (608 total features)</a:t>
+            </a:r>
+            <a:endParaRPr lang="en-US"/>
+          </a:p>
+          <a:p>
+            <a:r>
+              <a:rPr lang="en-US"/>
+              <a:t>Regression model against target variable log KiBA score.</a:t>
+            </a:r>
+            <a:endParaRPr lang="en-US"/>
+          </a:p>
+        </p:txBody>
+      </p:sp>
+    </p:spTree>
+  </p:cSld>
+  <p:clrMapOvr>
+    <a:masterClrMapping/>
+  </p:clrMapOvr>
+</p:sld>
+</file>
+
+<file path=ppt/slides/slide7.xml><?xml version="1.0" encoding="utf-8"?>
+<p:sld xmlns:a="http://schemas.openxmlformats.org/drawingml/2006/main" xmlns:r="http://schemas.openxmlformats.org/officeDocument/2006/relationships" xmlns:p="http://schemas.openxmlformats.org/presentationml/2006/main">
+  <p:cSld>
+    <p:spTree>
+      <p:nvGrpSpPr>
+        <p:cNvPr id="1" name=""/>
+        <p:cNvGrpSpPr/>
+        <p:nvPr/>
+      </p:nvGrpSpPr>
+      <p:grpSpPr/>
+      <p:sp>
+        <p:nvSpPr>
+          <p:cNvPr id="2" name="Title 1"/>
+          <p:cNvSpPr>
+            <a:spLocks noGrp="1"/>
+          </p:cNvSpPr>
+          <p:nvPr>
+            <p:ph type="title"/>
+          </p:nvPr>
+        </p:nvSpPr>
         <p:spPr>
           <a:xfrm>
             <a:off x="838200" y="365125"/>
@@ -4290,35 +4382,42 @@
         </p:spPr>
         <p:txBody>
           <a:bodyPr>
-            <a:normAutofit lnSpcReduction="20000"/>
+            <a:normAutofit/>
           </a:bodyPr>
           <a:p>
             <a:r>
-              <a:rPr lang="en-US"/>
+              <a:rPr lang="en-US" sz="2400"/>
               <a:t>Increasing number of tree and depth of tree reduced overall error, however the gap between training and testing became larger, indicating over-fitting</a:t>
             </a:r>
-            <a:endParaRPr lang="en-US"/>
-          </a:p>
-          <a:p>
-            <a:r>
-              <a:rPr lang="en-US"/>
+            <a:endParaRPr lang="en-US" sz="2400"/>
+          </a:p>
+          <a:p>
+            <a:r>
+              <a:rPr lang="en-US" sz="2400"/>
               <a:t>XGBoost model shows more overfitting, need more tuning</a:t>
             </a:r>
-            <a:endParaRPr lang="en-US"/>
-          </a:p>
-          <a:p>
-            <a:r>
-              <a:rPr lang="en-US"/>
+            <a:endParaRPr lang="en-US" sz="2400"/>
+          </a:p>
+          <a:p>
+            <a:r>
+              <a:rPr lang="en-US" sz="2400"/>
               <a:t>Feature importance (RF) show top 4 are sequence features. </a:t>
             </a:r>
-            <a:endParaRPr lang="en-US"/>
-          </a:p>
-          <a:p>
-            <a:r>
-              <a:rPr lang="en-US"/>
+            <a:endParaRPr lang="en-US" sz="2400"/>
+          </a:p>
+          <a:p>
+            <a:r>
+              <a:rPr lang="en-US" sz="2400"/>
               <a:t>Removing the cluster of data points at KiBA score 72000 improve performance more on testing than training (MSE 4.78 vs 5.7, RF)</a:t>
             </a:r>
-            <a:endParaRPr lang="en-US"/>
+            <a:endParaRPr lang="en-US" sz="2400"/>
+          </a:p>
+          <a:p>
+            <a:r>
+              <a:rPr lang="en-US" sz="2400"/>
+              <a:t>Normalization didn’t help</a:t>
+            </a:r>
+            <a:endParaRPr lang="en-US" sz="2400"/>
           </a:p>
         </p:txBody>
       </p:sp>
@@ -5741,197 +5840,6 @@
 </p:sld>
 </file>
 
-<file path=ppt/slides/slide7.xml><?xml version="1.0" encoding="utf-8"?>
-<p:sld xmlns:a="http://schemas.openxmlformats.org/drawingml/2006/main" xmlns:r="http://schemas.openxmlformats.org/officeDocument/2006/relationships" xmlns:p="http://schemas.openxmlformats.org/presentationml/2006/main">
-  <p:cSld>
-    <p:spTree>
-      <p:nvGrpSpPr>
-        <p:cNvPr id="1" name=""/>
-        <p:cNvGrpSpPr/>
-        <p:nvPr/>
-      </p:nvGrpSpPr>
-      <p:grpSpPr/>
-      <p:sp>
-        <p:nvSpPr>
-          <p:cNvPr id="4" name="Title 3"/>
-          <p:cNvSpPr>
-            <a:spLocks noGrp="1"/>
-          </p:cNvSpPr>
-          <p:nvPr>
-            <p:ph type="title"/>
-          </p:nvPr>
-        </p:nvSpPr>
-        <p:spPr>
-          <a:xfrm>
-            <a:off x="838200" y="365125"/>
-            <a:ext cx="10515600" cy="964565"/>
-          </a:xfrm>
-        </p:spPr>
-        <p:txBody>
-          <a:bodyPr/>
-          <a:p>
-            <a:r>
-              <a:rPr lang="en-US"/>
-              <a:t>Improvement</a:t>
-            </a:r>
-            <a:endParaRPr lang="en-US"/>
-          </a:p>
-        </p:txBody>
-      </p:sp>
-      <p:sp>
-        <p:nvSpPr>
-          <p:cNvPr id="5" name="Content Placeholder 4"/>
-          <p:cNvSpPr>
-            <a:spLocks noGrp="1"/>
-          </p:cNvSpPr>
-          <p:nvPr>
-            <p:ph sz="half" idx="1"/>
-          </p:nvPr>
-        </p:nvSpPr>
-        <p:spPr>
-          <a:xfrm>
-            <a:off x="6638925" y="1625600"/>
-            <a:ext cx="5257800" cy="4351655"/>
-          </a:xfrm>
-        </p:spPr>
-        <p:txBody>
-          <a:bodyPr/>
-          <a:p>
-            <a:pPr marL="0" indent="0">
-              <a:buNone/>
-            </a:pPr>
-            <a:r>
-              <a:rPr lang="en-US"/>
-              <a:t>Model side</a:t>
-            </a:r>
-            <a:endParaRPr lang="en-US"/>
-          </a:p>
-          <a:p>
-            <a:r>
-              <a:rPr lang="en-US"/>
-              <a:t>Model tuning, reduce overfitting</a:t>
-            </a:r>
-            <a:endParaRPr lang="en-US"/>
-          </a:p>
-          <a:p>
-            <a:pPr lvl="1"/>
-            <a:r>
-              <a:rPr lang="en-US">
-                <a:sym typeface="+mn-ea"/>
-              </a:rPr>
-              <a:t>Feature selection</a:t>
-            </a:r>
-            <a:endParaRPr lang="en-US"/>
-          </a:p>
-          <a:p>
-            <a:r>
-              <a:rPr lang="en-US"/>
-              <a:t>Use deep learning</a:t>
-            </a:r>
-            <a:endParaRPr lang="en-US"/>
-          </a:p>
-          <a:p>
-            <a:r>
-              <a:rPr lang="en-US"/>
-              <a:t>Use LLM</a:t>
-            </a:r>
-            <a:endParaRPr lang="en-US"/>
-          </a:p>
-          <a:p>
-            <a:r>
-              <a:rPr lang="en-US"/>
-              <a:t>Convert to classfication problem, with different thresholds</a:t>
-            </a:r>
-            <a:endParaRPr lang="en-US"/>
-          </a:p>
-        </p:txBody>
-      </p:sp>
-      <p:sp>
-        <p:nvSpPr>
-          <p:cNvPr id="6" name="Content Placeholder 5"/>
-          <p:cNvSpPr>
-            <a:spLocks noGrp="1"/>
-          </p:cNvSpPr>
-          <p:nvPr>
-            <p:ph sz="half" idx="2"/>
-          </p:nvPr>
-        </p:nvSpPr>
-        <p:spPr>
-          <a:xfrm>
-            <a:off x="838200" y="1691005"/>
-            <a:ext cx="5181600" cy="4351338"/>
-          </a:xfrm>
-        </p:spPr>
-        <p:txBody>
-          <a:bodyPr>
-            <a:normAutofit fontScale="90000" lnSpcReduction="20000"/>
-          </a:bodyPr>
-          <a:p>
-            <a:pPr marL="0" indent="0">
-              <a:buNone/>
-            </a:pPr>
-            <a:r>
-              <a:rPr lang="en-US"/>
-              <a:t>Data side</a:t>
-            </a:r>
-            <a:endParaRPr lang="en-US"/>
-          </a:p>
-          <a:p>
-            <a:r>
-              <a:rPr lang="en-US"/>
-              <a:t>Removal of entries with low quality KiBA score</a:t>
-            </a:r>
-            <a:endParaRPr lang="en-US"/>
-          </a:p>
-          <a:p>
-            <a:r>
-              <a:rPr lang="en-US"/>
-              <a:t>Add other features:</a:t>
-            </a:r>
-            <a:endParaRPr lang="en-US"/>
-          </a:p>
-          <a:p>
-            <a:pPr lvl="1"/>
-            <a:r>
-              <a:rPr lang="en-US"/>
-              <a:t>protein function description, gene ontology, etc</a:t>
-            </a:r>
-            <a:endParaRPr lang="en-US"/>
-          </a:p>
-          <a:p>
-            <a:pPr lvl="1"/>
-            <a:r>
-              <a:rPr lang="en-US"/>
-              <a:t>compound physical-chemical properties</a:t>
-            </a:r>
-            <a:endParaRPr lang="en-US"/>
-          </a:p>
-          <a:p>
-            <a:pPr lvl="1"/>
-            <a:r>
-              <a:rPr lang="en-US"/>
-              <a:t>use larger embeddings</a:t>
-            </a:r>
-            <a:endParaRPr lang="en-US"/>
-          </a:p>
-          <a:p>
-            <a:pPr lvl="0"/>
-            <a:r>
-              <a:rPr lang="en-US"/>
-              <a:t>Add graph based on sequence similarity and compound similarity, with binding affinity score to connect compounds with proteins</a:t>
-            </a:r>
-            <a:endParaRPr lang="en-US"/>
-          </a:p>
-        </p:txBody>
-      </p:sp>
-    </p:spTree>
-  </p:cSld>
-  <p:clrMapOvr>
-    <a:masterClrMapping/>
-  </p:clrMapOvr>
-</p:sld>
-</file>
-
 <file path=ppt/slides/slide8.xml><?xml version="1.0" encoding="utf-8"?>
 <p:sld xmlns:a="http://schemas.openxmlformats.org/drawingml/2006/main" xmlns:r="http://schemas.openxmlformats.org/officeDocument/2006/relationships" xmlns:p="http://schemas.openxmlformats.org/presentationml/2006/main">
   <p:cSld>
@@ -5944,47 +5852,251 @@
       <p:grpSpPr/>
       <p:sp>
         <p:nvSpPr>
-          <p:cNvPr id="2" name="Title 1"/>
+          <p:cNvPr id="4" name="Title 3"/>
           <p:cNvSpPr>
             <a:spLocks noGrp="1"/>
           </p:cNvSpPr>
           <p:nvPr>
             <p:ph type="title"/>
-          </p:nvPr>
-        </p:nvSpPr>
-        <p:spPr/>
-        <p:txBody>
-          <a:bodyPr/>
-          <a:p>
-            <a:r>
-              <a:rPr lang="en-US"/>
-              <a:t>Technical challenge</a:t>
-            </a:r>
-            <a:endParaRPr lang="en-US"/>
-          </a:p>
-        </p:txBody>
-      </p:sp>
-      <p:sp>
-        <p:nvSpPr>
-          <p:cNvPr id="3" name="Content Placeholder 2"/>
-          <p:cNvSpPr>
-            <a:spLocks noGrp="1"/>
-          </p:cNvSpPr>
-          <p:nvPr>
-            <p:ph sz="half" idx="1"/>
           </p:nvPr>
         </p:nvSpPr>
         <p:spPr>
           <a:xfrm>
-            <a:off x="838200" y="1825625"/>
-            <a:ext cx="9943465" cy="4351655"/>
+            <a:off x="838200" y="365125"/>
+            <a:ext cx="10515600" cy="964565"/>
           </a:xfrm>
         </p:spPr>
         <p:txBody>
+          <a:bodyPr/>
+          <a:p>
+            <a:r>
+              <a:rPr lang="en-US"/>
+              <a:t>Improvement</a:t>
+            </a:r>
+            <a:endParaRPr lang="en-US"/>
+          </a:p>
+        </p:txBody>
+      </p:sp>
+      <p:sp>
+        <p:nvSpPr>
+          <p:cNvPr id="5" name="Content Placeholder 4"/>
+          <p:cNvSpPr>
+            <a:spLocks noGrp="1"/>
+          </p:cNvSpPr>
+          <p:nvPr>
+            <p:ph sz="half" idx="1"/>
+          </p:nvPr>
+        </p:nvSpPr>
+        <p:spPr>
+          <a:xfrm>
+            <a:off x="6638925" y="1625600"/>
+            <a:ext cx="5257800" cy="4351655"/>
+          </a:xfrm>
+        </p:spPr>
+        <p:txBody>
+          <a:bodyPr/>
+          <a:p>
+            <a:pPr marL="0" indent="0">
+              <a:buNone/>
+            </a:pPr>
+            <a:r>
+              <a:rPr lang="en-US"/>
+              <a:t>Model side</a:t>
+            </a:r>
+            <a:endParaRPr lang="en-US"/>
+          </a:p>
+          <a:p>
+            <a:r>
+              <a:rPr lang="en-US"/>
+              <a:t>Model tuning, reduce overfitting</a:t>
+            </a:r>
+            <a:endParaRPr lang="en-US"/>
+          </a:p>
+          <a:p>
+            <a:pPr lvl="1"/>
+            <a:r>
+              <a:rPr lang="en-US">
+                <a:sym typeface="+mn-ea"/>
+              </a:rPr>
+              <a:t>Feature selection</a:t>
+            </a:r>
+            <a:endParaRPr lang="en-US"/>
+          </a:p>
+          <a:p>
+            <a:r>
+              <a:rPr lang="en-US"/>
+              <a:t>Use deep learning</a:t>
+            </a:r>
+            <a:endParaRPr lang="en-US"/>
+          </a:p>
+          <a:p>
+            <a:r>
+              <a:rPr lang="en-US"/>
+              <a:t>Use GANs</a:t>
+            </a:r>
+            <a:endParaRPr lang="en-US"/>
+          </a:p>
+          <a:p>
+            <a:endParaRPr lang="en-US"/>
+          </a:p>
+        </p:txBody>
+      </p:sp>
+      <p:sp>
+        <p:nvSpPr>
+          <p:cNvPr id="6" name="Content Placeholder 5"/>
+          <p:cNvSpPr>
+            <a:spLocks noGrp="1"/>
+          </p:cNvSpPr>
+          <p:nvPr>
+            <p:ph sz="half" idx="2"/>
+          </p:nvPr>
+        </p:nvSpPr>
+        <p:spPr>
+          <a:xfrm>
+            <a:off x="838200" y="1691005"/>
+            <a:ext cx="5181600" cy="4351338"/>
+          </a:xfrm>
+        </p:spPr>
+        <p:txBody>
           <a:bodyPr>
-            <a:normAutofit lnSpcReduction="10000"/>
+            <a:normAutofit fontScale="90000" lnSpcReduction="20000"/>
           </a:bodyPr>
           <a:p>
+            <a:pPr marL="0" indent="0">
+              <a:buNone/>
+            </a:pPr>
+            <a:r>
+              <a:rPr lang="en-US"/>
+              <a:t>Data side</a:t>
+            </a:r>
+            <a:endParaRPr lang="en-US"/>
+          </a:p>
+          <a:p>
+            <a:r>
+              <a:rPr lang="en-US"/>
+              <a:t>Removal of entries with low quality KiBA score</a:t>
+            </a:r>
+            <a:endParaRPr lang="en-US"/>
+          </a:p>
+          <a:p>
+            <a:r>
+              <a:rPr lang="en-US"/>
+              <a:t>Add other features:</a:t>
+            </a:r>
+            <a:endParaRPr lang="en-US"/>
+          </a:p>
+          <a:p>
+            <a:pPr lvl="1"/>
+            <a:r>
+              <a:rPr lang="en-US"/>
+              <a:t>protein function description, gene ontology, etc</a:t>
+            </a:r>
+            <a:endParaRPr lang="en-US"/>
+          </a:p>
+          <a:p>
+            <a:pPr lvl="1"/>
+            <a:r>
+              <a:rPr lang="en-US"/>
+              <a:t>compound physical-chemical properties</a:t>
+            </a:r>
+            <a:endParaRPr lang="en-US"/>
+          </a:p>
+          <a:p>
+            <a:pPr lvl="1"/>
+            <a:r>
+              <a:rPr lang="en-US"/>
+              <a:t>use different embedding size</a:t>
+            </a:r>
+            <a:endParaRPr lang="en-US"/>
+          </a:p>
+          <a:p>
+            <a:pPr lvl="0"/>
+            <a:r>
+              <a:rPr lang="en-US"/>
+              <a:t>Extract features from graph/network based on sequence similarity and compound similarity, with binding affinity score to connect compounds with proteins.</a:t>
+            </a:r>
+            <a:endParaRPr lang="en-US"/>
+          </a:p>
+        </p:txBody>
+      </p:sp>
+    </p:spTree>
+  </p:cSld>
+  <p:clrMapOvr>
+    <a:masterClrMapping/>
+  </p:clrMapOvr>
+</p:sld>
+</file>
+
+<file path=ppt/slides/slide9.xml><?xml version="1.0" encoding="utf-8"?>
+<p:sld xmlns:a="http://schemas.openxmlformats.org/drawingml/2006/main" xmlns:r="http://schemas.openxmlformats.org/officeDocument/2006/relationships" xmlns:p="http://schemas.openxmlformats.org/presentationml/2006/main">
+  <p:cSld>
+    <p:spTree>
+      <p:nvGrpSpPr>
+        <p:cNvPr id="1" name=""/>
+        <p:cNvGrpSpPr/>
+        <p:nvPr/>
+      </p:nvGrpSpPr>
+      <p:grpSpPr/>
+      <p:sp>
+        <p:nvSpPr>
+          <p:cNvPr id="2" name="Title 1"/>
+          <p:cNvSpPr>
+            <a:spLocks noGrp="1"/>
+          </p:cNvSpPr>
+          <p:nvPr>
+            <p:ph type="title"/>
+          </p:nvPr>
+        </p:nvSpPr>
+        <p:spPr>
+          <a:xfrm>
+            <a:off x="838200" y="365125"/>
+            <a:ext cx="10515600" cy="916940"/>
+          </a:xfrm>
+        </p:spPr>
+        <p:txBody>
+          <a:bodyPr/>
+          <a:p>
+            <a:r>
+              <a:rPr lang="en-US"/>
+              <a:t>Thoughts</a:t>
+            </a:r>
+            <a:endParaRPr lang="en-US"/>
+          </a:p>
+        </p:txBody>
+      </p:sp>
+      <p:sp>
+        <p:nvSpPr>
+          <p:cNvPr id="3" name="Content Placeholder 2"/>
+          <p:cNvSpPr>
+            <a:spLocks noGrp="1"/>
+          </p:cNvSpPr>
+          <p:nvPr>
+            <p:ph sz="half" idx="1"/>
+          </p:nvPr>
+        </p:nvSpPr>
+        <p:spPr>
+          <a:xfrm>
+            <a:off x="838200" y="1655445"/>
+            <a:ext cx="9943465" cy="4521835"/>
+          </a:xfrm>
+        </p:spPr>
+        <p:txBody>
+          <a:bodyPr>
+            <a:normAutofit lnSpcReduction="20000"/>
+          </a:bodyPr>
+          <a:p>
+            <a:r>
+              <a:rPr lang="en-US">
+                <a:sym typeface="+mn-ea"/>
+              </a:rPr>
+              <a:t>Technical challenge</a:t>
+            </a:r>
+            <a:endParaRPr lang="en-US">
+              <a:sym typeface="+mn-ea"/>
+            </a:endParaRPr>
+          </a:p>
+          <a:p>
+            <a:pPr lvl="1"/>
             <a:r>
               <a:rPr lang="en-US"/>
               <a:t>Tried to install several protein embedding packages: </a:t>
@@ -6004,9 +6116,10 @@
             <a:endParaRPr lang="en-US" altLang="en-US"/>
           </a:p>
           <a:p>
+            <a:pPr lvl="1"/>
             <a:r>
               <a:rPr lang="en-US" altLang="en-US"/>
-              <a:t>ProtEnc comes with several pre-build models, running large model ended up with memory out errors. It failed one of the two dataset with even smaller number of sequences.</a:t>
+              <a:t>ProtEnc comes with several pre-build models, running large model ended up with memory errors. It failed one of the two dataset with smaller number of sequences.</a:t>
             </a:r>
             <a:endParaRPr lang="en-US" altLang="en-US"/>
           </a:p>
